--- a/Scrins/ReactJs, NPM, Webpack.pptx
+++ b/Scrins/ReactJs, NPM, Webpack.pptx
@@ -5,15 +5,16 @@
     <p:sldMasterId id="2147483696" r:id="rId1"/>
   </p:sldMasterIdLst>
   <p:notesMasterIdLst>
-    <p:notesMasterId r:id="rId8"/>
+    <p:notesMasterId r:id="rId9"/>
   </p:notesMasterIdLst>
   <p:sldIdLst>
     <p:sldId id="256" r:id="rId2"/>
     <p:sldId id="276" r:id="rId3"/>
     <p:sldId id="275" r:id="rId4"/>
-    <p:sldId id="274" r:id="rId5"/>
-    <p:sldId id="273" r:id="rId6"/>
-    <p:sldId id="269" r:id="rId7"/>
+    <p:sldId id="277" r:id="rId5"/>
+    <p:sldId id="274" r:id="rId6"/>
+    <p:sldId id="273" r:id="rId7"/>
+    <p:sldId id="269" r:id="rId8"/>
   </p:sldIdLst>
   <p:sldSz cx="9144000" cy="6858000" type="screen4x3"/>
   <p:notesSz cx="6858000" cy="9144000"/>
@@ -4497,80 +4498,6 @@
       </p:grpSpPr>
       <p:sp>
         <p:nvSpPr>
-          <p:cNvPr id="2" name="Заголовок 1"/>
-          <p:cNvSpPr>
-            <a:spLocks noGrp="1"/>
-          </p:cNvSpPr>
-          <p:nvPr>
-            <p:ph type="title"/>
-          </p:nvPr>
-        </p:nvSpPr>
-        <p:spPr>
-          <a:xfrm>
-            <a:off x="457200" y="0"/>
-            <a:ext cx="8229600" cy="2636912"/>
-          </a:xfrm>
-        </p:spPr>
-        <p:txBody>
-          <a:bodyPr/>
-          <a:lstStyle/>
-          <a:p>
-            <a:r>
-              <a:rPr lang="ru-RU" dirty="0" smtClean="0"/>
-              <a:t>Проблемы использование</a:t>
-            </a:r>
-            <a:br>
-              <a:rPr lang="ru-RU" dirty="0" smtClean="0"/>
-            </a:br>
-            <a:r>
-              <a:rPr lang="en-US" dirty="0" err="1" smtClean="0"/>
-              <a:t>ReactJs</a:t>
-            </a:r>
-            <a:endParaRPr lang="ru-RU" dirty="0"/>
-          </a:p>
-        </p:txBody>
-      </p:sp>
-      <p:sp>
-        <p:nvSpPr>
-          <p:cNvPr id="3" name="Объект 2"/>
-          <p:cNvSpPr>
-            <a:spLocks noGrp="1"/>
-          </p:cNvSpPr>
-          <p:nvPr>
-            <p:ph idx="1"/>
-          </p:nvPr>
-        </p:nvSpPr>
-        <p:spPr>
-          <a:xfrm>
-            <a:off x="457200" y="2924944"/>
-            <a:ext cx="8229600" cy="3201219"/>
-          </a:xfrm>
-        </p:spPr>
-        <p:txBody>
-          <a:bodyPr/>
-          <a:lstStyle/>
-          <a:p>
-            <a:r>
-              <a:rPr lang="ru-RU" dirty="0" smtClean="0"/>
-              <a:t>Кривые </a:t>
-            </a:r>
-            <a:r>
-              <a:rPr lang="ru-RU" dirty="0" err="1" smtClean="0"/>
-              <a:t>тайпинги</a:t>
-            </a:r>
-            <a:endParaRPr lang="ru-RU" dirty="0" smtClean="0"/>
-          </a:p>
-          <a:p>
-            <a:r>
-              <a:rPr lang="ru-RU" dirty="0" smtClean="0"/>
-              <a:t>Кривые плагины</a:t>
-            </a:r>
-            <a:endParaRPr lang="ru-RU" dirty="0"/>
-          </a:p>
-        </p:txBody>
-      </p:sp>
-      <p:sp>
-        <p:nvSpPr>
           <p:cNvPr id="4" name="Номер слайда 3"/>
           <p:cNvSpPr>
             <a:spLocks noGrp="1"/>
@@ -4592,10 +4519,70 @@
           </a:p>
         </p:txBody>
       </p:sp>
+      <p:pic>
+        <p:nvPicPr>
+          <p:cNvPr id="5" name="Рисунок 4"/>
+          <p:cNvPicPr>
+            <a:picLocks noChangeAspect="1"/>
+          </p:cNvPicPr>
+          <p:nvPr/>
+        </p:nvPicPr>
+        <p:blipFill>
+          <a:blip r:embed="rId2">
+            <a:extLst>
+              <a:ext uri="{28A0092B-C50C-407E-A947-70E740481C1C}">
+                <a14:useLocalDpi xmlns:a14="http://schemas.microsoft.com/office/drawing/2010/main" val="0"/>
+              </a:ext>
+            </a:extLst>
+          </a:blip>
+          <a:stretch>
+            <a:fillRect/>
+          </a:stretch>
+        </p:blipFill>
+        <p:spPr>
+          <a:xfrm>
+            <a:off x="251520" y="188640"/>
+            <a:ext cx="4320480" cy="5612389"/>
+          </a:xfrm>
+          <a:prstGeom prst="rect">
+            <a:avLst/>
+          </a:prstGeom>
+        </p:spPr>
+      </p:pic>
+      <p:pic>
+        <p:nvPicPr>
+          <p:cNvPr id="6" name="Рисунок 5"/>
+          <p:cNvPicPr>
+            <a:picLocks noChangeAspect="1"/>
+          </p:cNvPicPr>
+          <p:nvPr/>
+        </p:nvPicPr>
+        <p:blipFill>
+          <a:blip r:embed="rId3">
+            <a:extLst>
+              <a:ext uri="{28A0092B-C50C-407E-A947-70E740481C1C}">
+                <a14:useLocalDpi xmlns:a14="http://schemas.microsoft.com/office/drawing/2010/main" val="0"/>
+              </a:ext>
+            </a:extLst>
+          </a:blip>
+          <a:stretch>
+            <a:fillRect/>
+          </a:stretch>
+        </p:blipFill>
+        <p:spPr>
+          <a:xfrm>
+            <a:off x="4932040" y="588890"/>
+            <a:ext cx="4032448" cy="5797285"/>
+          </a:xfrm>
+          <a:prstGeom prst="rect">
+            <a:avLst/>
+          </a:prstGeom>
+        </p:spPr>
+      </p:pic>
     </p:spTree>
     <p:extLst>
       <p:ext uri="{BB962C8B-B14F-4D97-AF65-F5344CB8AC3E}">
-        <p14:creationId xmlns:p14="http://schemas.microsoft.com/office/powerpoint/2010/main" val="2095276225"/>
+        <p14:creationId xmlns:p14="http://schemas.microsoft.com/office/powerpoint/2010/main" val="2421145563"/>
       </p:ext>
     </p:extLst>
   </p:cSld>
@@ -4632,6 +4619,133 @@
             <p:ph type="title"/>
           </p:nvPr>
         </p:nvSpPr>
+        <p:spPr>
+          <a:xfrm>
+            <a:off x="457200" y="0"/>
+            <a:ext cx="8229600" cy="2636912"/>
+          </a:xfrm>
+        </p:spPr>
+        <p:txBody>
+          <a:bodyPr/>
+          <a:lstStyle/>
+          <a:p>
+            <a:r>
+              <a:rPr lang="ru-RU" dirty="0" smtClean="0"/>
+              <a:t>Проблемы использование</a:t>
+            </a:r>
+            <a:br>
+              <a:rPr lang="ru-RU" dirty="0" smtClean="0"/>
+            </a:br>
+            <a:r>
+              <a:rPr lang="en-US" dirty="0" err="1" smtClean="0"/>
+              <a:t>ReactJs</a:t>
+            </a:r>
+            <a:endParaRPr lang="ru-RU" dirty="0"/>
+          </a:p>
+        </p:txBody>
+      </p:sp>
+      <p:sp>
+        <p:nvSpPr>
+          <p:cNvPr id="3" name="Объект 2"/>
+          <p:cNvSpPr>
+            <a:spLocks noGrp="1"/>
+          </p:cNvSpPr>
+          <p:nvPr>
+            <p:ph idx="1"/>
+          </p:nvPr>
+        </p:nvSpPr>
+        <p:spPr>
+          <a:xfrm>
+            <a:off x="457200" y="2924944"/>
+            <a:ext cx="8229600" cy="3201219"/>
+          </a:xfrm>
+        </p:spPr>
+        <p:txBody>
+          <a:bodyPr/>
+          <a:lstStyle/>
+          <a:p>
+            <a:r>
+              <a:rPr lang="ru-RU" dirty="0" smtClean="0"/>
+              <a:t>Кривые </a:t>
+            </a:r>
+            <a:r>
+              <a:rPr lang="ru-RU" dirty="0" err="1" smtClean="0"/>
+              <a:t>тайпинги</a:t>
+            </a:r>
+            <a:endParaRPr lang="ru-RU" dirty="0" smtClean="0"/>
+          </a:p>
+          <a:p>
+            <a:r>
+              <a:rPr lang="ru-RU" dirty="0" smtClean="0"/>
+              <a:t>Кривые плагины</a:t>
+            </a:r>
+            <a:endParaRPr lang="ru-RU" dirty="0"/>
+          </a:p>
+        </p:txBody>
+      </p:sp>
+      <p:sp>
+        <p:nvSpPr>
+          <p:cNvPr id="4" name="Номер слайда 3"/>
+          <p:cNvSpPr>
+            <a:spLocks noGrp="1"/>
+          </p:cNvSpPr>
+          <p:nvPr>
+            <p:ph type="sldNum" sz="quarter" idx="12"/>
+          </p:nvPr>
+        </p:nvSpPr>
+        <p:spPr/>
+        <p:txBody>
+          <a:bodyPr/>
+          <a:lstStyle/>
+          <a:p>
+            <a:fld id="{42096130-AFAA-4679-B8F2-BAA2E901E0FE}" type="slidenum">
+              <a:rPr lang="ru-RU" smtClean="0"/>
+              <a:t>5</a:t>
+            </a:fld>
+            <a:endParaRPr lang="ru-RU"/>
+          </a:p>
+        </p:txBody>
+      </p:sp>
+    </p:spTree>
+    <p:extLst>
+      <p:ext uri="{BB962C8B-B14F-4D97-AF65-F5344CB8AC3E}">
+        <p14:creationId xmlns:p14="http://schemas.microsoft.com/office/powerpoint/2010/main" val="2095276225"/>
+      </p:ext>
+    </p:extLst>
+  </p:cSld>
+  <p:clrMapOvr>
+    <a:masterClrMapping/>
+  </p:clrMapOvr>
+</p:sld>
+</file>
+
+<file path=ppt/slides/slide6.xml><?xml version="1.0" encoding="utf-8"?>
+<p:sld xmlns:a="http://schemas.openxmlformats.org/drawingml/2006/main" xmlns:r="http://schemas.openxmlformats.org/officeDocument/2006/relationships" xmlns:p="http://schemas.openxmlformats.org/presentationml/2006/main">
+  <p:cSld>
+    <p:spTree>
+      <p:nvGrpSpPr>
+        <p:cNvPr id="1" name=""/>
+        <p:cNvGrpSpPr/>
+        <p:nvPr/>
+      </p:nvGrpSpPr>
+      <p:grpSpPr>
+        <a:xfrm>
+          <a:off x="0" y="0"/>
+          <a:ext cx="0" cy="0"/>
+          <a:chOff x="0" y="0"/>
+          <a:chExt cx="0" cy="0"/>
+        </a:xfrm>
+      </p:grpSpPr>
+      <p:sp>
+        <p:nvSpPr>
+          <p:cNvPr id="2" name="Заголовок 1"/>
+          <p:cNvSpPr>
+            <a:spLocks noGrp="1"/>
+          </p:cNvSpPr>
+          <p:nvPr>
+            <p:ph type="title"/>
+          </p:nvPr>
+        </p:nvSpPr>
         <p:spPr/>
         <p:txBody>
           <a:bodyPr/>
@@ -4662,7 +4776,7 @@
           <a:p>
             <a:fld id="{42096130-AFAA-4679-B8F2-BAA2E901E0FE}" type="slidenum">
               <a:rPr lang="ru-RU" smtClean="0"/>
-              <a:t>5</a:t>
+              <a:t>6</a:t>
             </a:fld>
             <a:endParaRPr lang="ru-RU"/>
           </a:p>
@@ -4718,7 +4832,7 @@
 </p:sld>
 </file>
 
-<file path=ppt/slides/slide6.xml><?xml version="1.0" encoding="utf-8"?>
+<file path=ppt/slides/slide7.xml><?xml version="1.0" encoding="utf-8"?>
 <p:sld xmlns:a="http://schemas.openxmlformats.org/drawingml/2006/main" xmlns:r="http://schemas.openxmlformats.org/officeDocument/2006/relationships" xmlns:p="http://schemas.openxmlformats.org/presentationml/2006/main">
   <p:cSld>
     <p:spTree>
@@ -5095,7 +5209,7 @@
           <a:p>
             <a:fld id="{42096130-AFAA-4679-B8F2-BAA2E901E0FE}" type="slidenum">
               <a:rPr lang="ru-RU" smtClean="0"/>
-              <a:t>6</a:t>
+              <a:t>7</a:t>
             </a:fld>
             <a:endParaRPr lang="ru-RU"/>
           </a:p>

--- a/Scrins/ReactJs, NPM, Webpack.pptx
+++ b/Scrins/ReactJs, NPM, Webpack.pptx
@@ -5,16 +5,17 @@
     <p:sldMasterId id="2147483696" r:id="rId1"/>
   </p:sldMasterIdLst>
   <p:notesMasterIdLst>
-    <p:notesMasterId r:id="rId9"/>
+    <p:notesMasterId r:id="rId10"/>
   </p:notesMasterIdLst>
   <p:sldIdLst>
     <p:sldId id="256" r:id="rId2"/>
     <p:sldId id="276" r:id="rId3"/>
     <p:sldId id="275" r:id="rId4"/>
     <p:sldId id="277" r:id="rId5"/>
-    <p:sldId id="274" r:id="rId6"/>
-    <p:sldId id="273" r:id="rId7"/>
-    <p:sldId id="269" r:id="rId8"/>
+    <p:sldId id="278" r:id="rId6"/>
+    <p:sldId id="274" r:id="rId7"/>
+    <p:sldId id="273" r:id="rId8"/>
+    <p:sldId id="269" r:id="rId9"/>
   </p:sldIdLst>
   <p:sldSz cx="9144000" cy="6858000" type="screen4x3"/>
   <p:notesSz cx="6858000" cy="9144000"/>
@@ -4476,6 +4477,13 @@
   <p:clrMapOvr>
     <a:masterClrMapping/>
   </p:clrMapOvr>
+  <p:timing>
+    <p:tnLst>
+      <p:par>
+        <p:cTn id="1" dur="indefinite" restart="never" nodeType="tmRoot"/>
+      </p:par>
+    </p:tnLst>
+  </p:timing>
 </p:sld>
 </file>
 
@@ -4589,6 +4597,13 @@
   <p:clrMapOvr>
     <a:masterClrMapping/>
   </p:clrMapOvr>
+  <p:timing>
+    <p:tnLst>
+      <p:par>
+        <p:cTn id="1" dur="indefinite" restart="never" nodeType="tmRoot"/>
+      </p:par>
+    </p:tnLst>
+  </p:timing>
 </p:sld>
 </file>
 
@@ -4611,80 +4626,6 @@
       </p:grpSpPr>
       <p:sp>
         <p:nvSpPr>
-          <p:cNvPr id="2" name="Заголовок 1"/>
-          <p:cNvSpPr>
-            <a:spLocks noGrp="1"/>
-          </p:cNvSpPr>
-          <p:nvPr>
-            <p:ph type="title"/>
-          </p:nvPr>
-        </p:nvSpPr>
-        <p:spPr>
-          <a:xfrm>
-            <a:off x="457200" y="0"/>
-            <a:ext cx="8229600" cy="2636912"/>
-          </a:xfrm>
-        </p:spPr>
-        <p:txBody>
-          <a:bodyPr/>
-          <a:lstStyle/>
-          <a:p>
-            <a:r>
-              <a:rPr lang="ru-RU" dirty="0" smtClean="0"/>
-              <a:t>Проблемы использование</a:t>
-            </a:r>
-            <a:br>
-              <a:rPr lang="ru-RU" dirty="0" smtClean="0"/>
-            </a:br>
-            <a:r>
-              <a:rPr lang="en-US" dirty="0" err="1" smtClean="0"/>
-              <a:t>ReactJs</a:t>
-            </a:r>
-            <a:endParaRPr lang="ru-RU" dirty="0"/>
-          </a:p>
-        </p:txBody>
-      </p:sp>
-      <p:sp>
-        <p:nvSpPr>
-          <p:cNvPr id="3" name="Объект 2"/>
-          <p:cNvSpPr>
-            <a:spLocks noGrp="1"/>
-          </p:cNvSpPr>
-          <p:nvPr>
-            <p:ph idx="1"/>
-          </p:nvPr>
-        </p:nvSpPr>
-        <p:spPr>
-          <a:xfrm>
-            <a:off x="457200" y="2924944"/>
-            <a:ext cx="8229600" cy="3201219"/>
-          </a:xfrm>
-        </p:spPr>
-        <p:txBody>
-          <a:bodyPr/>
-          <a:lstStyle/>
-          <a:p>
-            <a:r>
-              <a:rPr lang="ru-RU" dirty="0" smtClean="0"/>
-              <a:t>Кривые </a:t>
-            </a:r>
-            <a:r>
-              <a:rPr lang="ru-RU" dirty="0" err="1" smtClean="0"/>
-              <a:t>тайпинги</a:t>
-            </a:r>
-            <a:endParaRPr lang="ru-RU" dirty="0" smtClean="0"/>
-          </a:p>
-          <a:p>
-            <a:r>
-              <a:rPr lang="ru-RU" dirty="0" smtClean="0"/>
-              <a:t>Кривые плагины</a:t>
-            </a:r>
-            <a:endParaRPr lang="ru-RU" dirty="0"/>
-          </a:p>
-        </p:txBody>
-      </p:sp>
-      <p:sp>
-        <p:nvSpPr>
           <p:cNvPr id="4" name="Номер слайда 3"/>
           <p:cNvSpPr>
             <a:spLocks noGrp="1"/>
@@ -4706,16 +4647,219 @@
           </a:p>
         </p:txBody>
       </p:sp>
+      <p:pic>
+        <p:nvPicPr>
+          <p:cNvPr id="5" name="Рисунок 4"/>
+          <p:cNvPicPr>
+            <a:picLocks noChangeAspect="1"/>
+          </p:cNvPicPr>
+          <p:nvPr/>
+        </p:nvPicPr>
+        <p:blipFill>
+          <a:blip r:embed="rId2">
+            <a:extLst>
+              <a:ext uri="{28A0092B-C50C-407E-A947-70E740481C1C}">
+                <a14:useLocalDpi xmlns:a14="http://schemas.microsoft.com/office/drawing/2010/main" val="0"/>
+              </a:ext>
+            </a:extLst>
+          </a:blip>
+          <a:stretch>
+            <a:fillRect/>
+          </a:stretch>
+        </p:blipFill>
+        <p:spPr>
+          <a:xfrm>
+            <a:off x="1763688" y="-153091"/>
+            <a:ext cx="5184577" cy="7005302"/>
+          </a:xfrm>
+          <a:prstGeom prst="rect">
+            <a:avLst/>
+          </a:prstGeom>
+        </p:spPr>
+      </p:pic>
+      <p:pic>
+        <p:nvPicPr>
+          <p:cNvPr id="7" name="Рисунок 6"/>
+          <p:cNvPicPr>
+            <a:picLocks noChangeAspect="1"/>
+          </p:cNvPicPr>
+          <p:nvPr/>
+        </p:nvPicPr>
+        <p:blipFill>
+          <a:blip r:embed="rId3">
+            <a:extLst>
+              <a:ext uri="{28A0092B-C50C-407E-A947-70E740481C1C}">
+                <a14:useLocalDpi xmlns:a14="http://schemas.microsoft.com/office/drawing/2010/main" val="0"/>
+              </a:ext>
+            </a:extLst>
+          </a:blip>
+          <a:stretch>
+            <a:fillRect/>
+          </a:stretch>
+        </p:blipFill>
+        <p:spPr>
+          <a:xfrm>
+            <a:off x="3363909" y="-5789"/>
+            <a:ext cx="5780091" cy="6858000"/>
+          </a:xfrm>
+          <a:prstGeom prst="rect">
+            <a:avLst/>
+          </a:prstGeom>
+        </p:spPr>
+      </p:pic>
     </p:spTree>
     <p:extLst>
       <p:ext uri="{BB962C8B-B14F-4D97-AF65-F5344CB8AC3E}">
-        <p14:creationId xmlns:p14="http://schemas.microsoft.com/office/powerpoint/2010/main" val="2095276225"/>
+        <p14:creationId xmlns:p14="http://schemas.microsoft.com/office/powerpoint/2010/main" val="2675540609"/>
       </p:ext>
     </p:extLst>
   </p:cSld>
   <p:clrMapOvr>
     <a:masterClrMapping/>
   </p:clrMapOvr>
+  <p:timing>
+    <p:tnLst>
+      <p:par>
+        <p:cTn id="1" dur="indefinite" restart="never" nodeType="tmRoot">
+          <p:childTnLst>
+            <p:seq concurrent="1" nextAc="seek">
+              <p:cTn id="2" dur="indefinite" nodeType="mainSeq">
+                <p:childTnLst>
+                  <p:par>
+                    <p:cTn id="3" fill="hold">
+                      <p:stCondLst>
+                        <p:cond delay="indefinite"/>
+                      </p:stCondLst>
+                      <p:childTnLst>
+                        <p:par>
+                          <p:cTn id="4" fill="hold">
+                            <p:stCondLst>
+                              <p:cond delay="0"/>
+                            </p:stCondLst>
+                            <p:childTnLst>
+                              <p:par>
+                                <p:cTn id="5" presetID="0" presetClass="path" presetSubtype="0" accel="50000" decel="50000" fill="hold" nodeType="clickEffect">
+                                  <p:stCondLst>
+                                    <p:cond delay="0"/>
+                                  </p:stCondLst>
+                                  <p:childTnLst>
+                                    <p:animMotion origin="layout" path="M 1.11111E-6 -0.00301 L 1.11111E-6 -0.00278 C -0.00469 -0.00139 -0.00903 0.00138 -0.01372 0.00138 C -0.04479 0.00393 -0.01962 -0.00186 -0.04375 -0.0051 C -0.06389 -0.00787 -0.05486 -0.00625 -0.07101 -0.00949 L -0.16701 -0.00764 C -0.1684 -0.00764 -0.16997 -0.00602 -0.17136 -0.0051 C -0.17361 -0.0044 -0.17552 -0.00394 -0.17743 -0.00301 C -0.17899 -0.00139 -0.18004 0.00092 -0.18195 0.00138 C -0.19306 0.00509 -0.22049 0.00393 -0.2283 0.00393 L -0.2283 -0.0007 " pathEditMode="relative" rAng="0" ptsTypes="AAAAAAAAAAA">
+                                      <p:cBhvr>
+                                        <p:cTn id="6" dur="1000" fill="hold"/>
+                                        <p:tgtEl>
+                                          <p:spTgt spid="5"/>
+                                        </p:tgtEl>
+                                        <p:attrNameLst>
+                                          <p:attrName>ppt_x</p:attrName>
+                                          <p:attrName>ppt_y</p:attrName>
+                                        </p:attrNameLst>
+                                      </p:cBhvr>
+                                      <p:rCtr x="-11424" y="23"/>
+                                    </p:animMotion>
+                                  </p:childTnLst>
+                                </p:cTn>
+                              </p:par>
+                              <p:par>
+                                <p:cTn id="7" presetID="2" presetClass="entr" presetSubtype="2" fill="hold" nodeType="withEffect">
+                                  <p:stCondLst>
+                                    <p:cond delay="0"/>
+                                  </p:stCondLst>
+                                  <p:childTnLst>
+                                    <p:set>
+                                      <p:cBhvr>
+                                        <p:cTn id="8" dur="1" fill="hold">
+                                          <p:stCondLst>
+                                            <p:cond delay="0"/>
+                                          </p:stCondLst>
+                                        </p:cTn>
+                                        <p:tgtEl>
+                                          <p:spTgt spid="7"/>
+                                        </p:tgtEl>
+                                        <p:attrNameLst>
+                                          <p:attrName>style.visibility</p:attrName>
+                                        </p:attrNameLst>
+                                      </p:cBhvr>
+                                      <p:to>
+                                        <p:strVal val="visible"/>
+                                      </p:to>
+                                    </p:set>
+                                    <p:anim calcmode="lin" valueType="num">
+                                      <p:cBhvr additive="base">
+                                        <p:cTn id="9" dur="1000" fill="hold"/>
+                                        <p:tgtEl>
+                                          <p:spTgt spid="7"/>
+                                        </p:tgtEl>
+                                        <p:attrNameLst>
+                                          <p:attrName>ppt_x</p:attrName>
+                                        </p:attrNameLst>
+                                      </p:cBhvr>
+                                      <p:tavLst>
+                                        <p:tav tm="0">
+                                          <p:val>
+                                            <p:strVal val="1+#ppt_w/2"/>
+                                          </p:val>
+                                        </p:tav>
+                                        <p:tav tm="100000">
+                                          <p:val>
+                                            <p:strVal val="#ppt_x"/>
+                                          </p:val>
+                                        </p:tav>
+                                      </p:tavLst>
+                                    </p:anim>
+                                    <p:anim calcmode="lin" valueType="num">
+                                      <p:cBhvr additive="base">
+                                        <p:cTn id="10" dur="1000" fill="hold"/>
+                                        <p:tgtEl>
+                                          <p:spTgt spid="7"/>
+                                        </p:tgtEl>
+                                        <p:attrNameLst>
+                                          <p:attrName>ppt_y</p:attrName>
+                                        </p:attrNameLst>
+                                      </p:cBhvr>
+                                      <p:tavLst>
+                                        <p:tav tm="0">
+                                          <p:val>
+                                            <p:strVal val="#ppt_y"/>
+                                          </p:val>
+                                        </p:tav>
+                                        <p:tav tm="100000">
+                                          <p:val>
+                                            <p:strVal val="#ppt_y"/>
+                                          </p:val>
+                                        </p:tav>
+                                      </p:tavLst>
+                                    </p:anim>
+                                  </p:childTnLst>
+                                </p:cTn>
+                              </p:par>
+                            </p:childTnLst>
+                          </p:cTn>
+                        </p:par>
+                      </p:childTnLst>
+                    </p:cTn>
+                  </p:par>
+                </p:childTnLst>
+              </p:cTn>
+              <p:prevCondLst>
+                <p:cond evt="onPrev" delay="0">
+                  <p:tgtEl>
+                    <p:sldTgt/>
+                  </p:tgtEl>
+                </p:cond>
+              </p:prevCondLst>
+              <p:nextCondLst>
+                <p:cond evt="onNext" delay="0">
+                  <p:tgtEl>
+                    <p:sldTgt/>
+                  </p:tgtEl>
+                </p:cond>
+              </p:nextCondLst>
+            </p:seq>
+          </p:childTnLst>
+        </p:cTn>
+      </p:par>
+    </p:tnLst>
+  </p:timing>
 </p:sld>
 </file>
 
@@ -4746,6 +4890,140 @@
             <p:ph type="title"/>
           </p:nvPr>
         </p:nvSpPr>
+        <p:spPr>
+          <a:xfrm>
+            <a:off x="457200" y="0"/>
+            <a:ext cx="8229600" cy="2636912"/>
+          </a:xfrm>
+        </p:spPr>
+        <p:txBody>
+          <a:bodyPr/>
+          <a:lstStyle/>
+          <a:p>
+            <a:r>
+              <a:rPr lang="ru-RU" dirty="0" smtClean="0"/>
+              <a:t>Проблемы использование</a:t>
+            </a:r>
+            <a:br>
+              <a:rPr lang="ru-RU" dirty="0" smtClean="0"/>
+            </a:br>
+            <a:r>
+              <a:rPr lang="en-US" dirty="0" err="1" smtClean="0"/>
+              <a:t>ReactJs</a:t>
+            </a:r>
+            <a:endParaRPr lang="ru-RU" dirty="0"/>
+          </a:p>
+        </p:txBody>
+      </p:sp>
+      <p:sp>
+        <p:nvSpPr>
+          <p:cNvPr id="3" name="Объект 2"/>
+          <p:cNvSpPr>
+            <a:spLocks noGrp="1"/>
+          </p:cNvSpPr>
+          <p:nvPr>
+            <p:ph idx="1"/>
+          </p:nvPr>
+        </p:nvSpPr>
+        <p:spPr>
+          <a:xfrm>
+            <a:off x="457200" y="2924944"/>
+            <a:ext cx="8229600" cy="3201219"/>
+          </a:xfrm>
+        </p:spPr>
+        <p:txBody>
+          <a:bodyPr/>
+          <a:lstStyle/>
+          <a:p>
+            <a:r>
+              <a:rPr lang="ru-RU" dirty="0" smtClean="0"/>
+              <a:t>Кривые </a:t>
+            </a:r>
+            <a:r>
+              <a:rPr lang="ru-RU" dirty="0" err="1" smtClean="0"/>
+              <a:t>тайпинги</a:t>
+            </a:r>
+            <a:endParaRPr lang="ru-RU" dirty="0" smtClean="0"/>
+          </a:p>
+          <a:p>
+            <a:r>
+              <a:rPr lang="ru-RU" dirty="0" smtClean="0"/>
+              <a:t>Кривые плагины</a:t>
+            </a:r>
+            <a:endParaRPr lang="ru-RU" dirty="0"/>
+          </a:p>
+        </p:txBody>
+      </p:sp>
+      <p:sp>
+        <p:nvSpPr>
+          <p:cNvPr id="4" name="Номер слайда 3"/>
+          <p:cNvSpPr>
+            <a:spLocks noGrp="1"/>
+          </p:cNvSpPr>
+          <p:nvPr>
+            <p:ph type="sldNum" sz="quarter" idx="12"/>
+          </p:nvPr>
+        </p:nvSpPr>
+        <p:spPr/>
+        <p:txBody>
+          <a:bodyPr/>
+          <a:lstStyle/>
+          <a:p>
+            <a:fld id="{42096130-AFAA-4679-B8F2-BAA2E901E0FE}" type="slidenum">
+              <a:rPr lang="ru-RU" smtClean="0"/>
+              <a:t>6</a:t>
+            </a:fld>
+            <a:endParaRPr lang="ru-RU"/>
+          </a:p>
+        </p:txBody>
+      </p:sp>
+    </p:spTree>
+    <p:extLst>
+      <p:ext uri="{BB962C8B-B14F-4D97-AF65-F5344CB8AC3E}">
+        <p14:creationId xmlns:p14="http://schemas.microsoft.com/office/powerpoint/2010/main" val="2095276225"/>
+      </p:ext>
+    </p:extLst>
+  </p:cSld>
+  <p:clrMapOvr>
+    <a:masterClrMapping/>
+  </p:clrMapOvr>
+  <p:timing>
+    <p:tnLst>
+      <p:par>
+        <p:cTn id="1" dur="indefinite" restart="never" nodeType="tmRoot"/>
+      </p:par>
+    </p:tnLst>
+  </p:timing>
+</p:sld>
+</file>
+
+<file path=ppt/slides/slide7.xml><?xml version="1.0" encoding="utf-8"?>
+<p:sld xmlns:a="http://schemas.openxmlformats.org/drawingml/2006/main" xmlns:r="http://schemas.openxmlformats.org/officeDocument/2006/relationships" xmlns:p="http://schemas.openxmlformats.org/presentationml/2006/main">
+  <p:cSld>
+    <p:spTree>
+      <p:nvGrpSpPr>
+        <p:cNvPr id="1" name=""/>
+        <p:cNvGrpSpPr/>
+        <p:nvPr/>
+      </p:nvGrpSpPr>
+      <p:grpSpPr>
+        <a:xfrm>
+          <a:off x="0" y="0"/>
+          <a:ext cx="0" cy="0"/>
+          <a:chOff x="0" y="0"/>
+          <a:chExt cx="0" cy="0"/>
+        </a:xfrm>
+      </p:grpSpPr>
+      <p:sp>
+        <p:nvSpPr>
+          <p:cNvPr id="2" name="Заголовок 1"/>
+          <p:cNvSpPr>
+            <a:spLocks noGrp="1"/>
+          </p:cNvSpPr>
+          <p:nvPr>
+            <p:ph type="title"/>
+          </p:nvPr>
+        </p:nvSpPr>
         <p:spPr/>
         <p:txBody>
           <a:bodyPr/>
@@ -4776,7 +5054,7 @@
           <a:p>
             <a:fld id="{42096130-AFAA-4679-B8F2-BAA2E901E0FE}" type="slidenum">
               <a:rPr lang="ru-RU" smtClean="0"/>
-              <a:t>6</a:t>
+              <a:t>7</a:t>
             </a:fld>
             <a:endParaRPr lang="ru-RU"/>
           </a:p>
@@ -4832,7 +5110,7 @@
 </p:sld>
 </file>
 
-<file path=ppt/slides/slide7.xml><?xml version="1.0" encoding="utf-8"?>
+<file path=ppt/slides/slide8.xml><?xml version="1.0" encoding="utf-8"?>
 <p:sld xmlns:a="http://schemas.openxmlformats.org/drawingml/2006/main" xmlns:r="http://schemas.openxmlformats.org/officeDocument/2006/relationships" xmlns:p="http://schemas.openxmlformats.org/presentationml/2006/main">
   <p:cSld>
     <p:spTree>
@@ -5209,7 +5487,7 @@
           <a:p>
             <a:fld id="{42096130-AFAA-4679-B8F2-BAA2E901E0FE}" type="slidenum">
               <a:rPr lang="ru-RU" smtClean="0"/>
-              <a:t>7</a:t>
+              <a:t>8</a:t>
             </a:fld>
             <a:endParaRPr lang="ru-RU"/>
           </a:p>
